--- a/Veil.pptx
+++ b/Veil.pptx
@@ -3747,7 +3747,7 @@
   <p:clrMapOvr>
     <a:masterClrMapping/>
   </p:clrMapOvr>
-  <p:transition spd="slow">
+  <p:transition spd="slow" advClick="0" advTm="0">
     <p:wipe/>
   </p:transition>
 </p:sld>
